--- a/AI/ObjectDetection.pptx
+++ b/AI/ObjectDetection.pptx
@@ -8,7 +8,8 @@
     <p:sldId id="256" r:id="rId2"/>
     <p:sldId id="257" r:id="rId3"/>
     <p:sldId id="258" r:id="rId4"/>
-    <p:sldId id="259" r:id="rId5"/>
+    <p:sldId id="260" r:id="rId5"/>
+    <p:sldId id="259" r:id="rId6"/>
   </p:sldIdLst>
   <p:sldSz cx="12192000" cy="6858000"/>
   <p:notesSz cx="6858000" cy="9144000"/>
@@ -107,6 +108,11 @@
       </a:defRPr>
     </a:lvl9pPr>
   </p:defaultTextStyle>
+  <p:extLst>
+    <p:ext uri="{EFAFB233-063F-42B5-8137-9DF3F51BA10A}">
+      <p15:sldGuideLst xmlns:p15="http://schemas.microsoft.com/office/powerpoint/2012/main"/>
+    </p:ext>
+  </p:extLst>
 </p:presentation>
 </file>
 
@@ -3046,7 +3052,7 @@
             <a:spLocks noGrp="1" noChangeArrowheads="1"/>
             <a:extLst>
               <a:ext uri="smNativeData">
-                <pr:smNativeData xmlns="smNativeData" xmlns:pr="smNativeData" xmlns:p15="http://schemas.microsoft.com/office/powerpoint/2012/main" xmlns:p14="http://schemas.microsoft.com/office/powerpoint/2010/main" xmlns:mc="http://schemas.openxmlformats.org/markup-compatibility/2006" val="SMDATA_15_PhJKaRMAAAAlAAAAZAAAAA0AAAAAkAAAAEgAAACQAAAASAAAAAAAAAABAAAAAAAAAAEAAABQAAAAAAAAAAAA4D8AAAAAAADgPwAAAAAAAOA/AAAAAAAA4D8AAAAAAADgPwAAAAAAAOA/AAAAAAAA4D8AAAAAAADgPwAAAAAAAOA/AAAAAAAA4D8CAAAAjAAAAAAAAAAAAAAAu+DjDP///wgAAAAAAAAAAAAAAAAAAAAAAAAAAAAAAAAAAAAAZAAAAAEAAABAAAAAAAAAAAAAAAAAAAAAAAAAAAAAAAAAAAAAAAAAAAAAAAAAAAAAAAAAAAAAAAAAAAAAAAAAAAAAAAAAAAAAAAAAAAAAAAAAAAAAAAAAAAAAAAAAAAAAFAAAADwAAAAAAAAAAAAAAAAAAAkUAAAAAQAAABQAAAAUAAAAFAAAAAEAAAAAAAAAZAAAAGQAAAAAAAAAZAAAAGQAAAAVAAAAYAAAAAAAAAAAAAAADwAAACADAAAAAAAAAAAAAAEAAACgMgAAVgcAAKr4//8BAAAAf39/AAEAAABkAAAAAAAAABQAAABAHwAAAAAAACYAAAAAAAAAwOD//wAAAAAmAAAAZAAAABYAAABMAAAAAAAAAAAAAAAEAAAAAAAAAAEAAACAgIAKAAAAACgAAAAoAAAAZAAAAGQAAAAAAAAAzMzMAAAAAABQAAAAUAAAAGQAAABkAAAAAAAAABcAAAAUAAAAAAAAAAAAAAD/fwAA/38AAAAAAAAJAAAABAAAAF8AYAAeAAAAaAAAAAAAAAAAAAAAAAAAAAAAAAAAAAAAECcAABAnAAAAAAAAAAAAAAAAAAAAAAAAAAAAAAAAAAAAAAAAAAAAABQAAAAAAAAAwMD/AAAAAABkAAAAMgAAAAAAAABkAAAAAAAAAH9/fwAKAAAAIgAAABgAAAAAAAAAAAAAAAAAAAAAAAAAAAAAAAAAAAAkAAAAJAAAAAAAAAAHAAAAAAAAAAAAAAAAAAAAAAAAAAAAAAAAAAAAf39/ACUAAABYAAAAAAAAAAAAAAAAAAAAAAAAAAAAAAAAAAAAAAAAAAAAAAAAAAAAAAAAAAAAAAA/AAAAAAAAAKCGAQAAAAAAAAAAAAAAAAAMAAAAAQAAAAAAAAAAAAAAAAAAAB8AAABUAAAAAAAABQAAAAEAAAAAAAAAAAAAAAAAAAAAAAAAAAAAAAAAAAAAAAAAAAAAAAJ/f38AAAAAA8zMzADAwP8Af39/AAAAAAAAAAAAAAAAAAAAAAAAAAAAIQAAABgAAAAUAAAAwAMAALABAABARwAAuAgAABAAAAAmAAAACAAAAAAAAAAAAAAA"/>
+                <pr:smNativeData xmlns:mc="http://schemas.openxmlformats.org/markup-compatibility/2006" xmlns:p14="http://schemas.microsoft.com/office/powerpoint/2010/main" xmlns:p15="http://schemas.microsoft.com/office/powerpoint/2012/main" xmlns:pr="smNativeData" xmlns="smNativeData" val="SMDATA_15_PhJKaRMAAAAlAAAAZAAAAA0AAAAAkAAAAEgAAACQAAAASAAAAAAAAAABAAAAAAAAAAEAAABQAAAAAAAAAAAA4D8AAAAAAADgPwAAAAAAAOA/AAAAAAAA4D8AAAAAAADgPwAAAAAAAOA/AAAAAAAA4D8AAAAAAADgPwAAAAAAAOA/AAAAAAAA4D8CAAAAjAAAAAAAAAAAAAAAu+DjDP///wgAAAAAAAAAAAAAAAAAAAAAAAAAAAAAAAAAAAAAZAAAAAEAAABAAAAAAAAAAAAAAAAAAAAAAAAAAAAAAAAAAAAAAAAAAAAAAAAAAAAAAAAAAAAAAAAAAAAAAAAAAAAAAAAAAAAAAAAAAAAAAAAAAAAAAAAAAAAAAAAAAAAAFAAAADwAAAAAAAAAAAAAAAAAAAkUAAAAAQAAABQAAAAUAAAAFAAAAAEAAAAAAAAAZAAAAGQAAAAAAAAAZAAAAGQAAAAVAAAAYAAAAAAAAAAAAAAADwAAACADAAAAAAAAAAAAAAEAAACgMgAAVgcAAKr4//8BAAAAf39/AAEAAABkAAAAAAAAABQAAABAHwAAAAAAACYAAAAAAAAAwOD//wAAAAAmAAAAZAAAABYAAABMAAAAAAAAAAAAAAAEAAAAAAAAAAEAAACAgIAKAAAAACgAAAAoAAAAZAAAAGQAAAAAAAAAzMzMAAAAAABQAAAAUAAAAGQAAABkAAAAAAAAABcAAAAUAAAAAAAAAAAAAAD/fwAA/38AAAAAAAAJAAAABAAAAF8AYAAeAAAAaAAAAAAAAAAAAAAAAAAAAAAAAAAAAAAAECcAABAnAAAAAAAAAAAAAAAAAAAAAAAAAAAAAAAAAAAAAAAAAAAAABQAAAAAAAAAwMD/AAAAAABkAAAAMgAAAAAAAABkAAAAAAAAAH9/fwAKAAAAIgAAABgAAAAAAAAAAAAAAAAAAAAAAAAAAAAAAAAAAAAkAAAAJAAAAAAAAAAHAAAAAAAAAAAAAAAAAAAAAAAAAAAAAAAAAAAAf39/ACUAAABYAAAAAAAAAAAAAAAAAAAAAAAAAAAAAAAAAAAAAAAAAAAAAAAAAAAAAAAAAAAAAAA/AAAAAAAAAKCGAQAAAAAAAAAAAAAAAAAMAAAAAQAAAAAAAAAAAAAAAAAAAB8AAABUAAAAAAAABQAAAAEAAAAAAAAAAAAAAAAAAAAAAAAAAAAAAAAAAAAAAAAAAAAAAAJ/f38AAAAAA8zMzADAwP8Af39/AAAAAAAAAAAAAAAAAAAAAAAAAAAAIQAAABgAAAAUAAAAwAMAALABAABARwAAuAgAABAAAAAmAAAACAAAAAAAAAAAAAAA"/>
               </a:ext>
             </a:extLst>
           </p:cNvSpPr>
@@ -3077,7 +3083,7 @@
             <a:spLocks noGrp="1" noChangeArrowheads="1"/>
             <a:extLst>
               <a:ext uri="smNativeData">
-                <pr:smNativeData xmlns="smNativeData" xmlns:pr="smNativeData" xmlns:p15="http://schemas.microsoft.com/office/powerpoint/2012/main" xmlns:p14="http://schemas.microsoft.com/office/powerpoint/2010/main" xmlns:mc="http://schemas.openxmlformats.org/markup-compatibility/2006" val="SMDATA_15_PhJKaRMAAAAlAAAAZAAAAA0AAAAAkAAAAEgAAACQAAAASAAAAAAAAAAAAAAAAAAAAAEAAABQAAAAAAAAAAAA4D8AAAAAAADgPwAAAAAAAOA/AAAAAAAA4D8AAAAAAADgPwAAAAAAAOA/AAAAAAAA4D8AAAAAAADgPwAAAAAAAOA/AAAAAAAA4D8CAAAAjAAAAAAAAAAAAAAAu+DjDP///wgAAAAAAAAAAAAAAAAAAAAAAAAAAAAAAAAAAAAAZAAAAAEAAABAAAAAAAAAAAAAAAAAAAAAAAAAAAAAAAAAAAAAAAAAAAAAAAAAAAAAAAAAAAAAAAAAAAAAAAAAAAAAAAAAAAAAAAAAAAAAAAAAAAAAAAAAAAAAAAAAAAAAFAAAADwAAAAAAAAAAAAAAAAAAAkUAAAAAQAAABQAAAAUAAAAFAAAAAEAAAAAAAAAZAAAAGQAAAAAAAAAZAAAAGQAAAAVAAAAYAAAAAAAAAAAAAAADwAAACADAAAAAAAAAAAAAAEAAACgMgAAVgcAAKr4//8BAAAAf39/AAEAAABkAAAAAAAAABQAAABAHwAAAAAAACYAAAAAAAAAwOD//wAAAAAmAAAAZAAAABYAAABMAAAAAAAAAAAAAAAEAAAAAAAAAAEAAACAgIAKAAAAACgAAAAoAAAAZAAAAGQAAAAAAAAAzMzMAAAAAABQAAAAUAAAAGQAAABkAAAAAAAAABcAAAAUAAAAAAAAAAAAAAD/fwAA/38AAAAAAAAJAAAABAAAAF8AYAAeAAAAaAAAAAAAAAAAAAAAAAAAAAAAAAAAAAAAECcAABAnAAAAAAAAAAAAAAAAAAAAAAAAAAAAAAAAAAAAAAAAAAAAABQAAAAAAAAAwMD/AAAAAABkAAAAMgAAAAAAAABkAAAAAAAAAH9/fwAKAAAAIgAAABgAAAAAAAAAAAAAAAAAAAAAAAAAAAAAAAAAAAAkAAAAJAAAAAAAAAAHAAAAAAAAAAAAAAAAAAAAAAAAAAAAAAAAAAAAf39/ACUAAABYAAAAAAAAAAAAAAAAAAAAAAAAAAAAAAAAAAAAAAAAAAAAAAAAAAAAAAAAAAAAAAA/AAAAAAAAAKCGAQAAAAAAAAAAAAAAAAAMAAAAAQAAAAAAAAAAAAAAAAAAAB8AAABUAAAAAAAABQAAAAEAAAAAAAAAAAAAAAAAAAAAAAAAAAAAAAAAAAAAAAAAAAAAAAJ/f38AAAAAA8zMzADAwP8Af39/AAAAAAAAAAAAAAAAAAAAAAAAAAAAIQAAABgAAAAUAAAAwAMAANgJAABARwAAsCUAAAAAAAAmAAAACAAAAAEAAAAAAAAA"/>
+                <pr:smNativeData xmlns:mc="http://schemas.openxmlformats.org/markup-compatibility/2006" xmlns:p14="http://schemas.microsoft.com/office/powerpoint/2010/main" xmlns:p15="http://schemas.microsoft.com/office/powerpoint/2012/main" xmlns:pr="smNativeData" xmlns="smNativeData" val="SMDATA_15_PhJKaRMAAAAlAAAAZAAAAA0AAAAAkAAAAEgAAACQAAAASAAAAAAAAAAAAAAAAAAAAAEAAABQAAAAAAAAAAAA4D8AAAAAAADgPwAAAAAAAOA/AAAAAAAA4D8AAAAAAADgPwAAAAAAAOA/AAAAAAAA4D8AAAAAAADgPwAAAAAAAOA/AAAAAAAA4D8CAAAAjAAAAAAAAAAAAAAAu+DjDP///wgAAAAAAAAAAAAAAAAAAAAAAAAAAAAAAAAAAAAAZAAAAAEAAABAAAAAAAAAAAAAAAAAAAAAAAAAAAAAAAAAAAAAAAAAAAAAAAAAAAAAAAAAAAAAAAAAAAAAAAAAAAAAAAAAAAAAAAAAAAAAAAAAAAAAAAAAAAAAAAAAAAAAFAAAADwAAAAAAAAAAAAAAAAAAAkUAAAAAQAAABQAAAAUAAAAFAAAAAEAAAAAAAAAZAAAAGQAAAAAAAAAZAAAAGQAAAAVAAAAYAAAAAAAAAAAAAAADwAAACADAAAAAAAAAAAAAAEAAACgMgAAVgcAAKr4//8BAAAAf39/AAEAAABkAAAAAAAAABQAAABAHwAAAAAAACYAAAAAAAAAwOD//wAAAAAmAAAAZAAAABYAAABMAAAAAAAAAAAAAAAEAAAAAAAAAAEAAACAgIAKAAAAACgAAAAoAAAAZAAAAGQAAAAAAAAAzMzMAAAAAABQAAAAUAAAAGQAAABkAAAAAAAAABcAAAAUAAAAAAAAAAAAAAD/fwAA/38AAAAAAAAJAAAABAAAAF8AYAAeAAAAaAAAAAAAAAAAAAAAAAAAAAAAAAAAAAAAECcAABAnAAAAAAAAAAAAAAAAAAAAAAAAAAAAAAAAAAAAAAAAAAAAABQAAAAAAAAAwMD/AAAAAABkAAAAMgAAAAAAAABkAAAAAAAAAH9/fwAKAAAAIgAAABgAAAAAAAAAAAAAAAAAAAAAAAAAAAAAAAAAAAAkAAAAJAAAAAAAAAAHAAAAAAAAAAAAAAAAAAAAAAAAAAAAAAAAAAAAf39/ACUAAABYAAAAAAAAAAAAAAAAAAAAAAAAAAAAAAAAAAAAAAAAAAAAAAAAAAAAAAAAAAAAAAA/AAAAAAAAAKCGAQAAAAAAAAAAAAAAAAAMAAAAAQAAAAAAAAAAAAAAAAAAAB8AAABUAAAAAAAABQAAAAEAAAAAAAAAAAAAAAAAAAAAAAAAAAAAAAAAAAAAAAAAAAAAAAJ/f38AAAAAA8zMzADAwP8Af39/AAAAAAAAAAAAAAAAAAAAAAAAAAAAIQAAABgAAAAUAAAAwAMAANgJAABARwAAsCUAAAAAAAAmAAAACAAAAAEAAAAAAAAA"/>
               </a:ext>
             </a:extLst>
           </p:cNvSpPr>
@@ -3461,6 +3467,145 @@
           <a:lstStyle/>
           <a:p>
             <a:r>
+              <a:rPr lang="en-US" dirty="0" err="1" smtClean="0"/>
+              <a:t>Darknet</a:t>
+            </a:r>
+            <a:r>
+              <a:rPr lang="en-US" dirty="0" smtClean="0"/>
+              <a:t> / </a:t>
+            </a:r>
+            <a:r>
+              <a:rPr lang="en-US" dirty="0" err="1" smtClean="0"/>
+              <a:t>DarkPlate</a:t>
+            </a:r>
+            <a:r>
+              <a:rPr lang="en-US" dirty="0" smtClean="0"/>
+              <a:t> on various computers</a:t>
+            </a:r>
+            <a:endParaRPr lang="en-US" dirty="0"/>
+          </a:p>
+        </p:txBody>
+      </p:sp>
+      <p:sp>
+        <p:nvSpPr>
+          <p:cNvPr id="3" name="Content Placeholder 2"/>
+          <p:cNvSpPr>
+            <a:spLocks noGrp="1"/>
+          </p:cNvSpPr>
+          <p:nvPr>
+            <p:ph idx="1"/>
+          </p:nvPr>
+        </p:nvSpPr>
+        <p:spPr/>
+        <p:txBody>
+          <a:bodyPr/>
+          <a:lstStyle/>
+          <a:p>
+            <a:r>
+              <a:rPr lang="en-US" dirty="0" err="1" smtClean="0"/>
+              <a:t>Darknet</a:t>
+            </a:r>
+            <a:r>
+              <a:rPr lang="en-US" dirty="0" smtClean="0"/>
+              <a:t> is working on all platforms, but GPU not used on:</a:t>
+            </a:r>
+          </a:p>
+          <a:p>
+            <a:pPr lvl="1"/>
+            <a:r>
+              <a:rPr lang="en-US" dirty="0" smtClean="0"/>
+              <a:t>Raspberry Pi w/AI Hat+</a:t>
+            </a:r>
+          </a:p>
+          <a:p>
+            <a:pPr lvl="1"/>
+            <a:r>
+              <a:rPr lang="en-US" dirty="0" smtClean="0"/>
+              <a:t>Windows computers</a:t>
+            </a:r>
+          </a:p>
+          <a:p>
+            <a:pPr lvl="2"/>
+            <a:r>
+              <a:rPr lang="en-US" dirty="0" smtClean="0"/>
+              <a:t>*Need to compile for GPU, not sure how</a:t>
+            </a:r>
+          </a:p>
+          <a:p>
+            <a:r>
+              <a:rPr lang="en-US" dirty="0" err="1" smtClean="0"/>
+              <a:t>Darknet</a:t>
+            </a:r>
+            <a:r>
+              <a:rPr lang="en-US" dirty="0" smtClean="0"/>
+              <a:t> &amp; </a:t>
+            </a:r>
+            <a:r>
+              <a:rPr lang="en-US" dirty="0" err="1" smtClean="0"/>
+              <a:t>DarkPlate</a:t>
+            </a:r>
+            <a:r>
+              <a:rPr lang="en-US" dirty="0" smtClean="0"/>
+              <a:t> work on Linux computers including </a:t>
+            </a:r>
+            <a:r>
+              <a:rPr lang="en-US" dirty="0" err="1" smtClean="0"/>
+              <a:t>Nvidia</a:t>
+            </a:r>
+            <a:r>
+              <a:rPr lang="en-US" dirty="0" smtClean="0"/>
+              <a:t> Jetson Orin Nano</a:t>
+            </a:r>
+            <a:endParaRPr lang="en-US" dirty="0"/>
+          </a:p>
+        </p:txBody>
+      </p:sp>
+    </p:spTree>
+    <p:extLst>
+      <p:ext uri="{BB962C8B-B14F-4D97-AF65-F5344CB8AC3E}">
+        <p14:creationId xmlns:p14="http://schemas.microsoft.com/office/powerpoint/2010/main" val="3313792027"/>
+      </p:ext>
+    </p:extLst>
+  </p:cSld>
+  <p:clrMapOvr>
+    <a:masterClrMapping/>
+  </p:clrMapOvr>
+</p:sld>
+</file>
+
+<file path=ppt/slides/slide5.xml><?xml version="1.0" encoding="utf-8"?>
+<p:sld xmlns:a="http://schemas.openxmlformats.org/drawingml/2006/main" xmlns:r="http://schemas.openxmlformats.org/officeDocument/2006/relationships" xmlns:p="http://schemas.openxmlformats.org/presentationml/2006/main">
+  <p:cSld>
+    <p:spTree>
+      <p:nvGrpSpPr>
+        <p:cNvPr id="1" name=""/>
+        <p:cNvGrpSpPr/>
+        <p:nvPr/>
+      </p:nvGrpSpPr>
+      <p:grpSpPr>
+        <a:xfrm>
+          <a:off x="0" y="0"/>
+          <a:ext cx="0" cy="0"/>
+          <a:chOff x="0" y="0"/>
+          <a:chExt cx="0" cy="0"/>
+        </a:xfrm>
+      </p:grpSpPr>
+      <p:sp>
+        <p:nvSpPr>
+          <p:cNvPr id="2" name="Title 1"/>
+          <p:cNvSpPr>
+            <a:spLocks noGrp="1"/>
+          </p:cNvSpPr>
+          <p:nvPr>
+            <p:ph type="title"/>
+          </p:nvPr>
+        </p:nvSpPr>
+        <p:spPr/>
+        <p:txBody>
+          <a:bodyPr/>
+          <a:lstStyle/>
+          <a:p>
+            <a:r>
               <a:rPr lang="en-US" dirty="0" smtClean="0"/>
               <a:t>License Plate Detection</a:t>
             </a:r>
@@ -3539,6 +3684,17 @@
             <a:r>
               <a:rPr lang="en-US" dirty="0" err="1" smtClean="0"/>
               <a:t>DarkPlate</a:t>
+            </a:r>
+            <a:endParaRPr lang="en-US" dirty="0" smtClean="0"/>
+          </a:p>
+          <a:p>
+            <a:r>
+              <a:rPr lang="en-US" dirty="0" smtClean="0"/>
+              <a:t>*Check how well it works on </a:t>
+            </a:r>
+            <a:r>
+              <a:rPr lang="en-US" smtClean="0"/>
+              <a:t>random images</a:t>
             </a:r>
             <a:endParaRPr lang="en-US" dirty="0"/>
           </a:p>
